--- a/Image/image_ppt.pptx
+++ b/Image/image_ppt.pptx
@@ -198,7 +198,7 @@
               <a:cs typeface="Times New Roman" panose="02020603050405020304" pitchFamily="18" charset="0"/>
             </a:defRPr>
           </a:pPr>
-          <a:endParaRPr lang="zh-CN"/>
+          <a:endParaRPr lang="zh-CN" altLang="en-US"/>
         </a:p>
       </c:txPr>
     </c:title>
@@ -1512,7 +1512,7 @@
               <a:cs typeface="Times New Roman" panose="02020603050405020304" pitchFamily="18" charset="0"/>
             </a:defRPr>
           </a:pPr>
-          <a:endParaRPr lang="zh-CN"/>
+          <a:endParaRPr lang="zh-CN" altLang="en-US"/>
         </a:p>
       </c:txPr>
     </c:title>
@@ -3682,7 +3682,7 @@
           <a:p>
             <a:fld id="{76C51BDC-AEC3-C444-9511-3B43618F0CDE}" type="datetimeFigureOut">
               <a:rPr kumimoji="1" lang="zh-CN" altLang="en-US" smtClean="0"/>
-              <a:t>2025/9/9</a:t>
+              <a:t>2025/9/10</a:t>
             </a:fld>
             <a:endParaRPr kumimoji="1" lang="zh-CN" altLang="en-US"/>
           </a:p>
@@ -4014,6 +4014,90 @@
           <a:p>
             <a:fld id="{80501BD8-904D-3A48-966E-C70A2E9B4872}" type="slidenum">
               <a:rPr kumimoji="1" lang="zh-CN" altLang="en-US" smtClean="0"/>
+              <a:t>1</a:t>
+            </a:fld>
+            <a:endParaRPr kumimoji="1" lang="zh-CN" altLang="en-US"/>
+          </a:p>
+        </p:txBody>
+      </p:sp>
+    </p:spTree>
+    <p:extLst>
+      <p:ext uri="{BB962C8B-B14F-4D97-AF65-F5344CB8AC3E}">
+        <p14:creationId xmlns:p14="http://schemas.microsoft.com/office/powerpoint/2010/main" val="353877668"/>
+      </p:ext>
+    </p:extLst>
+  </p:cSld>
+  <p:clrMapOvr>
+    <a:masterClrMapping/>
+  </p:clrMapOvr>
+</p:notes>
+</file>
+
+<file path=ppt/notesSlides/notesSlide2.xml><?xml version="1.0" encoding="utf-8"?>
+<p:notes xmlns:a="http://schemas.openxmlformats.org/drawingml/2006/main" xmlns:r="http://schemas.openxmlformats.org/officeDocument/2006/relationships" xmlns:p="http://schemas.openxmlformats.org/presentationml/2006/main">
+  <p:cSld>
+    <p:spTree>
+      <p:nvGrpSpPr>
+        <p:cNvPr id="1" name=""/>
+        <p:cNvGrpSpPr/>
+        <p:nvPr/>
+      </p:nvGrpSpPr>
+      <p:grpSpPr>
+        <a:xfrm>
+          <a:off x="0" y="0"/>
+          <a:ext cx="0" cy="0"/>
+          <a:chOff x="0" y="0"/>
+          <a:chExt cx="0" cy="0"/>
+        </a:xfrm>
+      </p:grpSpPr>
+      <p:sp>
+        <p:nvSpPr>
+          <p:cNvPr id="2" name="幻灯片图像占位符 1"/>
+          <p:cNvSpPr>
+            <a:spLocks noGrp="1" noRot="1" noChangeAspect="1"/>
+          </p:cNvSpPr>
+          <p:nvPr>
+            <p:ph type="sldImg"/>
+          </p:nvPr>
+        </p:nvSpPr>
+        <p:spPr/>
+      </p:sp>
+      <p:sp>
+        <p:nvSpPr>
+          <p:cNvPr id="3" name="备注占位符 2"/>
+          <p:cNvSpPr>
+            <a:spLocks noGrp="1"/>
+          </p:cNvSpPr>
+          <p:nvPr>
+            <p:ph type="body" idx="1"/>
+          </p:nvPr>
+        </p:nvSpPr>
+        <p:spPr/>
+        <p:txBody>
+          <a:bodyPr/>
+          <a:lstStyle/>
+          <a:p>
+            <a:endParaRPr kumimoji="1" lang="zh-CN" altLang="en-US" dirty="0"/>
+          </a:p>
+        </p:txBody>
+      </p:sp>
+      <p:sp>
+        <p:nvSpPr>
+          <p:cNvPr id="4" name="灯片编号占位符 3"/>
+          <p:cNvSpPr>
+            <a:spLocks noGrp="1"/>
+          </p:cNvSpPr>
+          <p:nvPr>
+            <p:ph type="sldNum" sz="quarter" idx="5"/>
+          </p:nvPr>
+        </p:nvSpPr>
+        <p:spPr/>
+        <p:txBody>
+          <a:bodyPr/>
+          <a:lstStyle/>
+          <a:p>
+            <a:fld id="{80501BD8-904D-3A48-966E-C70A2E9B4872}" type="slidenum">
+              <a:rPr kumimoji="1" lang="zh-CN" altLang="en-US" smtClean="0"/>
               <a:t>3</a:t>
             </a:fld>
             <a:endParaRPr kumimoji="1" lang="zh-CN" altLang="en-US"/>
@@ -4180,7 +4264,7 @@
           <a:p>
             <a:fld id="{0FC5EA40-59E2-DB4C-9BC7-C1F526C501B0}" type="datetimeFigureOut">
               <a:rPr kumimoji="1" lang="zh-CN" altLang="en-US" smtClean="0"/>
-              <a:t>2025/9/9</a:t>
+              <a:t>2025/9/10</a:t>
             </a:fld>
             <a:endParaRPr kumimoji="1" lang="zh-CN" altLang="en-US"/>
           </a:p>
@@ -4378,7 +4462,7 @@
           <a:p>
             <a:fld id="{0FC5EA40-59E2-DB4C-9BC7-C1F526C501B0}" type="datetimeFigureOut">
               <a:rPr kumimoji="1" lang="zh-CN" altLang="en-US" smtClean="0"/>
-              <a:t>2025/9/9</a:t>
+              <a:t>2025/9/10</a:t>
             </a:fld>
             <a:endParaRPr kumimoji="1" lang="zh-CN" altLang="en-US"/>
           </a:p>
@@ -4586,7 +4670,7 @@
           <a:p>
             <a:fld id="{0FC5EA40-59E2-DB4C-9BC7-C1F526C501B0}" type="datetimeFigureOut">
               <a:rPr kumimoji="1" lang="zh-CN" altLang="en-US" smtClean="0"/>
-              <a:t>2025/9/9</a:t>
+              <a:t>2025/9/10</a:t>
             </a:fld>
             <a:endParaRPr kumimoji="1" lang="zh-CN" altLang="en-US"/>
           </a:p>
@@ -4784,7 +4868,7 @@
           <a:p>
             <a:fld id="{0FC5EA40-59E2-DB4C-9BC7-C1F526C501B0}" type="datetimeFigureOut">
               <a:rPr kumimoji="1" lang="zh-CN" altLang="en-US" smtClean="0"/>
-              <a:t>2025/9/9</a:t>
+              <a:t>2025/9/10</a:t>
             </a:fld>
             <a:endParaRPr kumimoji="1" lang="zh-CN" altLang="en-US"/>
           </a:p>
@@ -5059,7 +5143,7 @@
           <a:p>
             <a:fld id="{0FC5EA40-59E2-DB4C-9BC7-C1F526C501B0}" type="datetimeFigureOut">
               <a:rPr kumimoji="1" lang="zh-CN" altLang="en-US" smtClean="0"/>
-              <a:t>2025/9/9</a:t>
+              <a:t>2025/9/10</a:t>
             </a:fld>
             <a:endParaRPr kumimoji="1" lang="zh-CN" altLang="en-US"/>
           </a:p>
@@ -5324,7 +5408,7 @@
           <a:p>
             <a:fld id="{0FC5EA40-59E2-DB4C-9BC7-C1F526C501B0}" type="datetimeFigureOut">
               <a:rPr kumimoji="1" lang="zh-CN" altLang="en-US" smtClean="0"/>
-              <a:t>2025/9/9</a:t>
+              <a:t>2025/9/10</a:t>
             </a:fld>
             <a:endParaRPr kumimoji="1" lang="zh-CN" altLang="en-US"/>
           </a:p>
@@ -5736,7 +5820,7 @@
           <a:p>
             <a:fld id="{0FC5EA40-59E2-DB4C-9BC7-C1F526C501B0}" type="datetimeFigureOut">
               <a:rPr kumimoji="1" lang="zh-CN" altLang="en-US" smtClean="0"/>
-              <a:t>2025/9/9</a:t>
+              <a:t>2025/9/10</a:t>
             </a:fld>
             <a:endParaRPr kumimoji="1" lang="zh-CN" altLang="en-US"/>
           </a:p>
@@ -5877,7 +5961,7 @@
           <a:p>
             <a:fld id="{0FC5EA40-59E2-DB4C-9BC7-C1F526C501B0}" type="datetimeFigureOut">
               <a:rPr kumimoji="1" lang="zh-CN" altLang="en-US" smtClean="0"/>
-              <a:t>2025/9/9</a:t>
+              <a:t>2025/9/10</a:t>
             </a:fld>
             <a:endParaRPr kumimoji="1" lang="zh-CN" altLang="en-US"/>
           </a:p>
@@ -5990,7 +6074,7 @@
           <a:p>
             <a:fld id="{0FC5EA40-59E2-DB4C-9BC7-C1F526C501B0}" type="datetimeFigureOut">
               <a:rPr kumimoji="1" lang="zh-CN" altLang="en-US" smtClean="0"/>
-              <a:t>2025/9/9</a:t>
+              <a:t>2025/9/10</a:t>
             </a:fld>
             <a:endParaRPr kumimoji="1" lang="zh-CN" altLang="en-US"/>
           </a:p>
@@ -6301,7 +6385,7 @@
           <a:p>
             <a:fld id="{0FC5EA40-59E2-DB4C-9BC7-C1F526C501B0}" type="datetimeFigureOut">
               <a:rPr kumimoji="1" lang="zh-CN" altLang="en-US" smtClean="0"/>
-              <a:t>2025/9/9</a:t>
+              <a:t>2025/9/10</a:t>
             </a:fld>
             <a:endParaRPr kumimoji="1" lang="zh-CN" altLang="en-US"/>
           </a:p>
@@ -6589,7 +6673,7 @@
           <a:p>
             <a:fld id="{0FC5EA40-59E2-DB4C-9BC7-C1F526C501B0}" type="datetimeFigureOut">
               <a:rPr kumimoji="1" lang="zh-CN" altLang="en-US" smtClean="0"/>
-              <a:t>2025/9/9</a:t>
+              <a:t>2025/9/10</a:t>
             </a:fld>
             <a:endParaRPr kumimoji="1" lang="zh-CN" altLang="en-US"/>
           </a:p>
@@ -6830,7 +6914,7 @@
           <a:p>
             <a:fld id="{0FC5EA40-59E2-DB4C-9BC7-C1F526C501B0}" type="datetimeFigureOut">
               <a:rPr kumimoji="1" lang="zh-CN" altLang="en-US" smtClean="0"/>
-              <a:t>2025/9/9</a:t>
+              <a:t>2025/9/10</a:t>
             </a:fld>
             <a:endParaRPr kumimoji="1" lang="zh-CN" altLang="en-US"/>
           </a:p>
@@ -8904,13 +8988,13 @@
           <p:nvPr>
             <p:extLst>
               <p:ext uri="{D42A27DB-BD31-4B8C-83A1-F6EECF244321}">
-                <p14:modId xmlns:p14="http://schemas.microsoft.com/office/powerpoint/2010/main" val="3906187151"/>
+                <p14:modId xmlns:p14="http://schemas.microsoft.com/office/powerpoint/2010/main" val="4043987345"/>
               </p:ext>
             </p:extLst>
           </p:nvPr>
         </p:nvGraphicFramePr>
         <p:xfrm>
-          <a:off x="3069432" y="3406985"/>
+          <a:off x="3257216" y="3418402"/>
           <a:ext cx="1015998" cy="183600"/>
         </p:xfrm>
         <a:graphic>
@@ -9356,8 +9440,8 @@
         </p:nvSpPr>
         <p:spPr>
           <a:xfrm>
-            <a:off x="1998574" y="2243105"/>
-            <a:ext cx="715260" cy="276999"/>
+            <a:off x="1998573" y="2243105"/>
+            <a:ext cx="977697" cy="276999"/>
           </a:xfrm>
           <a:prstGeom prst="rect">
             <a:avLst/>
@@ -9375,7 +9459,7 @@
                 <a:latin typeface="Times New Roman" panose="02020603050405020304" pitchFamily="18" charset="0"/>
                 <a:cs typeface="Times New Roman" panose="02020603050405020304" pitchFamily="18" charset="0"/>
               </a:rPr>
-              <a:t>Property</a:t>
+              <a:t>Property (p)</a:t>
             </a:r>
           </a:p>
         </p:txBody>
@@ -9394,8 +9478,8 @@
         </p:nvSpPr>
         <p:spPr>
           <a:xfrm>
-            <a:off x="3623227" y="2243102"/>
-            <a:ext cx="536301" cy="276999"/>
+            <a:off x="3489192" y="2233498"/>
+            <a:ext cx="884014" cy="276999"/>
           </a:xfrm>
           <a:prstGeom prst="rect">
             <a:avLst/>
@@ -9413,7 +9497,7 @@
                 <a:latin typeface="Times New Roman" panose="02020603050405020304" pitchFamily="18" charset="0"/>
                 <a:cs typeface="Times New Roman" panose="02020603050405020304" pitchFamily="18" charset="0"/>
               </a:rPr>
-              <a:t>Value</a:t>
+              <a:t>Value (v)</a:t>
             </a:r>
           </a:p>
         </p:txBody>
@@ -9501,13 +9585,13 @@
           <p:nvPr>
             <p:extLst>
               <p:ext uri="{D42A27DB-BD31-4B8C-83A1-F6EECF244321}">
-                <p14:modId xmlns:p14="http://schemas.microsoft.com/office/powerpoint/2010/main" val="3078081356"/>
+                <p14:modId xmlns:p14="http://schemas.microsoft.com/office/powerpoint/2010/main" val="1472096254"/>
               </p:ext>
             </p:extLst>
           </p:nvPr>
         </p:nvGraphicFramePr>
         <p:xfrm>
-          <a:off x="410875" y="3407114"/>
+          <a:off x="660268" y="3425642"/>
           <a:ext cx="1015998" cy="183600"/>
         </p:xfrm>
         <a:graphic>
@@ -9916,13 +10000,13 @@
           <p:nvPr>
             <p:extLst>
               <p:ext uri="{D42A27DB-BD31-4B8C-83A1-F6EECF244321}">
-                <p14:modId xmlns:p14="http://schemas.microsoft.com/office/powerpoint/2010/main" val="481469080"/>
+                <p14:modId xmlns:p14="http://schemas.microsoft.com/office/powerpoint/2010/main" val="3397821674"/>
               </p:ext>
             </p:extLst>
           </p:nvPr>
         </p:nvGraphicFramePr>
         <p:xfrm>
-          <a:off x="2053434" y="3406985"/>
+          <a:off x="2241218" y="3418402"/>
           <a:ext cx="1015998" cy="183600"/>
         </p:xfrm>
         <a:graphic>
@@ -9981,7 +10065,7 @@
                     <a:bodyPr/>
                     <a:lstStyle/>
                     <a:p>
-                      <a:endParaRPr lang="zh-CN" altLang="en-US" sz="900"/>
+                      <a:endParaRPr lang="zh-CN" altLang="en-US" sz="900" dirty="0"/>
                     </a:p>
                   </a:txBody>
                   <a:tcPr marL="45356" marR="45356" marT="22678" marB="22678">
@@ -11017,7 +11101,7 @@
         </p:nvSpPr>
         <p:spPr>
           <a:xfrm>
-            <a:off x="3858958" y="3893586"/>
+            <a:off x="3834930" y="3874347"/>
             <a:ext cx="270933" cy="266409"/>
           </a:xfrm>
           <a:prstGeom prst="ellipse">
@@ -11192,14 +11276,13 @@
           <p:cNvCxnSpPr>
             <a:cxnSpLocks/>
             <a:stCxn id="18" idx="2"/>
-            <a:endCxn id="27" idx="0"/>
           </p:cNvCxnSpPr>
           <p:nvPr/>
         </p:nvCxnSpPr>
         <p:spPr>
           <a:xfrm>
             <a:off x="918874" y="2698118"/>
-            <a:ext cx="0" cy="708996"/>
+            <a:ext cx="0" cy="672556"/>
           </a:xfrm>
           <a:prstGeom prst="straightConnector1">
             <a:avLst/>
@@ -16188,12 +16271,16 @@
           <a:lstStyle/>
           <a:p>
             <a:r>
-              <a:rPr kumimoji="1" lang="en-US" altLang="zh-CN" sz="1400" dirty="0">
+              <a:rPr kumimoji="1" lang="en-US" altLang="zh-CN" sz="1400">
                 <a:latin typeface="Times New Roman" panose="02020603050405020304" pitchFamily="18" charset="0"/>
                 <a:cs typeface="Times New Roman" panose="02020603050405020304" pitchFamily="18" charset="0"/>
               </a:rPr>
-              <a:t>Message Passing</a:t>
+              <a:t>Link Encoder</a:t>
             </a:r>
+            <a:endParaRPr kumimoji="1" lang="en-US" altLang="zh-CN" sz="1400" dirty="0">
+              <a:latin typeface="Times New Roman" panose="02020603050405020304" pitchFamily="18" charset="0"/>
+              <a:cs typeface="Times New Roman" panose="02020603050405020304" pitchFamily="18" charset="0"/>
+            </a:endParaRPr>
           </a:p>
         </p:txBody>
       </p:sp>
@@ -21663,6 +21750,521 @@
               <a:latin typeface="Times New Roman" panose="02020603050405020304" pitchFamily="18" charset="0"/>
               <a:cs typeface="Times New Roman" panose="02020603050405020304" pitchFamily="18" charset="0"/>
             </a:endParaRPr>
+          </a:p>
+        </p:txBody>
+      </p:sp>
+      <p:graphicFrame>
+        <p:nvGraphicFramePr>
+          <p:cNvPr id="19" name="表格 18">
+            <a:extLst>
+              <a:ext uri="{FF2B5EF4-FFF2-40B4-BE49-F238E27FC236}">
+                <a16:creationId xmlns:a16="http://schemas.microsoft.com/office/drawing/2014/main" id="{8F9B2D0A-2198-7492-4EEC-3B495A986BFA}"/>
+              </a:ext>
+            </a:extLst>
+          </p:cNvPr>
+          <p:cNvGraphicFramePr>
+            <a:graphicFrameLocks noGrp="1"/>
+          </p:cNvGraphicFramePr>
+          <p:nvPr>
+            <p:extLst>
+              <p:ext uri="{D42A27DB-BD31-4B8C-83A1-F6EECF244321}">
+                <p14:modId xmlns:p14="http://schemas.microsoft.com/office/powerpoint/2010/main" val="4271232465"/>
+              </p:ext>
+            </p:extLst>
+          </p:nvPr>
+        </p:nvGraphicFramePr>
+        <p:xfrm>
+          <a:off x="1671487" y="3425642"/>
+          <a:ext cx="507600" cy="183601"/>
+        </p:xfrm>
+        <a:graphic>
+          <a:graphicData uri="http://schemas.openxmlformats.org/drawingml/2006/table">
+            <a:tbl>
+              <a:tblPr firstRow="1" bandRow="1">
+                <a:tableStyleId>{5C22544A-7EE6-4342-B048-85BDC9FD1C3A}</a:tableStyleId>
+              </a:tblPr>
+              <a:tblGrid>
+                <a:gridCol w="169200">
+                  <a:extLst>
+                    <a:ext uri="{9D8B030D-6E8A-4147-A177-3AD203B41FA5}">
+                      <a16:colId xmlns:a16="http://schemas.microsoft.com/office/drawing/2014/main" val="920733444"/>
+                    </a:ext>
+                  </a:extLst>
+                </a:gridCol>
+                <a:gridCol w="169200">
+                  <a:extLst>
+                    <a:ext uri="{9D8B030D-6E8A-4147-A177-3AD203B41FA5}">
+                      <a16:colId xmlns:a16="http://schemas.microsoft.com/office/drawing/2014/main" val="3847099468"/>
+                    </a:ext>
+                  </a:extLst>
+                </a:gridCol>
+                <a:gridCol w="169200">
+                  <a:extLst>
+                    <a:ext uri="{9D8B030D-6E8A-4147-A177-3AD203B41FA5}">
+                      <a16:colId xmlns:a16="http://schemas.microsoft.com/office/drawing/2014/main" val="1925239620"/>
+                    </a:ext>
+                  </a:extLst>
+                </a:gridCol>
+              </a:tblGrid>
+              <a:tr h="183601">
+                <a:tc>
+                  <a:txBody>
+                    <a:bodyPr/>
+                    <a:lstStyle/>
+                    <a:p>
+                      <a:endParaRPr lang="zh-CN" altLang="en-US" sz="900"/>
+                    </a:p>
+                  </a:txBody>
+                  <a:tcPr marL="45900" marR="45900" marT="22950" marB="22950">
+                    <a:lnL w="12700" cap="flat" cmpd="sng" algn="ctr">
+                      <a:solidFill>
+                        <a:schemeClr val="tx1"/>
+                      </a:solidFill>
+                      <a:prstDash val="solid"/>
+                      <a:round/>
+                      <a:headEnd type="none" w="med" len="med"/>
+                      <a:tailEnd type="none" w="med" len="med"/>
+                    </a:lnL>
+                    <a:lnR w="12700" cap="flat" cmpd="sng" algn="ctr">
+                      <a:solidFill>
+                        <a:schemeClr val="tx1"/>
+                      </a:solidFill>
+                      <a:prstDash val="solid"/>
+                      <a:round/>
+                      <a:headEnd type="none" w="med" len="med"/>
+                      <a:tailEnd type="none" w="med" len="med"/>
+                    </a:lnR>
+                    <a:lnT w="12700" cap="flat" cmpd="sng" algn="ctr">
+                      <a:solidFill>
+                        <a:schemeClr val="tx1"/>
+                      </a:solidFill>
+                      <a:prstDash val="solid"/>
+                      <a:round/>
+                      <a:headEnd type="none" w="med" len="med"/>
+                      <a:tailEnd type="none" w="med" len="med"/>
+                    </a:lnT>
+                    <a:lnB w="12700" cap="flat" cmpd="sng" algn="ctr">
+                      <a:solidFill>
+                        <a:schemeClr val="tx1"/>
+                      </a:solidFill>
+                      <a:prstDash val="solid"/>
+                      <a:round/>
+                      <a:headEnd type="none" w="med" len="med"/>
+                      <a:tailEnd type="none" w="med" len="med"/>
+                    </a:lnB>
+                    <a:lnTlToBr w="12700" cmpd="sng">
+                      <a:noFill/>
+                      <a:prstDash val="solid"/>
+                    </a:lnTlToBr>
+                    <a:lnBlToTr w="12700" cmpd="sng">
+                      <a:noFill/>
+                      <a:prstDash val="solid"/>
+                    </a:lnBlToTr>
+                    <a:noFill/>
+                  </a:tcPr>
+                </a:tc>
+                <a:tc>
+                  <a:txBody>
+                    <a:bodyPr/>
+                    <a:lstStyle/>
+                    <a:p>
+                      <a:pPr marL="0" algn="l" defTabSz="914400" rtl="0" eaLnBrk="1" latinLnBrk="0" hangingPunct="1"/>
+                      <a:endParaRPr lang="zh-CN" altLang="en-US" sz="500" b="1" kern="1200" dirty="0">
+                        <a:solidFill>
+                          <a:schemeClr val="lt1"/>
+                        </a:solidFill>
+                        <a:latin typeface="+mn-lt"/>
+                        <a:ea typeface="+mn-ea"/>
+                        <a:cs typeface="+mn-cs"/>
+                      </a:endParaRPr>
+                    </a:p>
+                  </a:txBody>
+                  <a:tcPr marL="45900" marR="45900" marT="22950" marB="22950">
+                    <a:lnL w="12700" cap="flat" cmpd="sng" algn="ctr">
+                      <a:solidFill>
+                        <a:schemeClr val="tx1"/>
+                      </a:solidFill>
+                      <a:prstDash val="solid"/>
+                      <a:round/>
+                      <a:headEnd type="none" w="med" len="med"/>
+                      <a:tailEnd type="none" w="med" len="med"/>
+                    </a:lnL>
+                    <a:lnR w="12700" cap="flat" cmpd="sng" algn="ctr">
+                      <a:solidFill>
+                        <a:schemeClr val="tx1"/>
+                      </a:solidFill>
+                      <a:prstDash val="solid"/>
+                      <a:round/>
+                      <a:headEnd type="none" w="med" len="med"/>
+                      <a:tailEnd type="none" w="med" len="med"/>
+                    </a:lnR>
+                    <a:lnT w="12700" cap="flat" cmpd="sng" algn="ctr">
+                      <a:solidFill>
+                        <a:schemeClr val="tx1"/>
+                      </a:solidFill>
+                      <a:prstDash val="solid"/>
+                      <a:round/>
+                      <a:headEnd type="none" w="med" len="med"/>
+                      <a:tailEnd type="none" w="med" len="med"/>
+                    </a:lnT>
+                    <a:lnB w="12700" cap="flat" cmpd="sng" algn="ctr">
+                      <a:solidFill>
+                        <a:schemeClr val="tx1"/>
+                      </a:solidFill>
+                      <a:prstDash val="solid"/>
+                      <a:round/>
+                      <a:headEnd type="none" w="med" len="med"/>
+                      <a:tailEnd type="none" w="med" len="med"/>
+                    </a:lnB>
+                    <a:lnTlToBr w="12700" cmpd="sng">
+                      <a:noFill/>
+                      <a:prstDash val="solid"/>
+                    </a:lnTlToBr>
+                    <a:lnBlToTr w="12700" cmpd="sng">
+                      <a:noFill/>
+                      <a:prstDash val="solid"/>
+                    </a:lnBlToTr>
+                    <a:noFill/>
+                  </a:tcPr>
+                </a:tc>
+                <a:tc>
+                  <a:txBody>
+                    <a:bodyPr/>
+                    <a:lstStyle/>
+                    <a:p>
+                      <a:endParaRPr lang="zh-CN" altLang="en-US" sz="900" dirty="0"/>
+                    </a:p>
+                  </a:txBody>
+                  <a:tcPr marL="45900" marR="45900" marT="22950" marB="22950">
+                    <a:lnL w="12700" cap="flat" cmpd="sng" algn="ctr">
+                      <a:solidFill>
+                        <a:schemeClr val="tx1"/>
+                      </a:solidFill>
+                      <a:prstDash val="solid"/>
+                      <a:round/>
+                      <a:headEnd type="none" w="med" len="med"/>
+                      <a:tailEnd type="none" w="med" len="med"/>
+                    </a:lnL>
+                    <a:lnR w="12700" cap="flat" cmpd="sng" algn="ctr">
+                      <a:solidFill>
+                        <a:schemeClr val="tx1"/>
+                      </a:solidFill>
+                      <a:prstDash val="solid"/>
+                      <a:round/>
+                      <a:headEnd type="none" w="med" len="med"/>
+                      <a:tailEnd type="none" w="med" len="med"/>
+                    </a:lnR>
+                    <a:lnT w="12700" cap="flat" cmpd="sng" algn="ctr">
+                      <a:solidFill>
+                        <a:schemeClr val="tx1"/>
+                      </a:solidFill>
+                      <a:prstDash val="solid"/>
+                      <a:round/>
+                      <a:headEnd type="none" w="med" len="med"/>
+                      <a:tailEnd type="none" w="med" len="med"/>
+                    </a:lnT>
+                    <a:lnB w="12700" cap="flat" cmpd="sng" algn="ctr">
+                      <a:solidFill>
+                        <a:schemeClr val="tx1"/>
+                      </a:solidFill>
+                      <a:prstDash val="solid"/>
+                      <a:round/>
+                      <a:headEnd type="none" w="med" len="med"/>
+                      <a:tailEnd type="none" w="med" len="med"/>
+                    </a:lnB>
+                    <a:lnTlToBr w="12700" cmpd="sng">
+                      <a:noFill/>
+                      <a:prstDash val="solid"/>
+                    </a:lnTlToBr>
+                    <a:lnBlToTr w="12700" cmpd="sng">
+                      <a:noFill/>
+                      <a:prstDash val="solid"/>
+                    </a:lnBlToTr>
+                    <a:noFill/>
+                  </a:tcPr>
+                </a:tc>
+                <a:extLst>
+                  <a:ext uri="{0D108BD9-81ED-4DB2-BD59-A6C34878D82A}">
+                    <a16:rowId xmlns:a16="http://schemas.microsoft.com/office/drawing/2014/main" val="3909594222"/>
+                  </a:ext>
+                </a:extLst>
+              </a:tr>
+            </a:tbl>
+          </a:graphicData>
+        </a:graphic>
+      </p:graphicFrame>
+      <p:graphicFrame>
+        <p:nvGraphicFramePr>
+          <p:cNvPr id="38" name="表格 37">
+            <a:extLst>
+              <a:ext uri="{FF2B5EF4-FFF2-40B4-BE49-F238E27FC236}">
+                <a16:creationId xmlns:a16="http://schemas.microsoft.com/office/drawing/2014/main" id="{9397AFD0-7A96-B80A-8A8E-9323482DB3D7}"/>
+              </a:ext>
+            </a:extLst>
+          </p:cNvPr>
+          <p:cNvGraphicFramePr>
+            <a:graphicFrameLocks noGrp="1"/>
+          </p:cNvGraphicFramePr>
+          <p:nvPr>
+            <p:extLst>
+              <p:ext uri="{D42A27DB-BD31-4B8C-83A1-F6EECF244321}">
+                <p14:modId xmlns:p14="http://schemas.microsoft.com/office/powerpoint/2010/main" val="2729373104"/>
+              </p:ext>
+            </p:extLst>
+          </p:nvPr>
+        </p:nvGraphicFramePr>
+        <p:xfrm>
+          <a:off x="140237" y="3420434"/>
+          <a:ext cx="507600" cy="183601"/>
+        </p:xfrm>
+        <a:graphic>
+          <a:graphicData uri="http://schemas.openxmlformats.org/drawingml/2006/table">
+            <a:tbl>
+              <a:tblPr firstRow="1" bandRow="1">
+                <a:tableStyleId>{5C22544A-7EE6-4342-B048-85BDC9FD1C3A}</a:tableStyleId>
+              </a:tblPr>
+              <a:tblGrid>
+                <a:gridCol w="169200">
+                  <a:extLst>
+                    <a:ext uri="{9D8B030D-6E8A-4147-A177-3AD203B41FA5}">
+                      <a16:colId xmlns:a16="http://schemas.microsoft.com/office/drawing/2014/main" val="920733444"/>
+                    </a:ext>
+                  </a:extLst>
+                </a:gridCol>
+                <a:gridCol w="169200">
+                  <a:extLst>
+                    <a:ext uri="{9D8B030D-6E8A-4147-A177-3AD203B41FA5}">
+                      <a16:colId xmlns:a16="http://schemas.microsoft.com/office/drawing/2014/main" val="3847099468"/>
+                    </a:ext>
+                  </a:extLst>
+                </a:gridCol>
+                <a:gridCol w="169200">
+                  <a:extLst>
+                    <a:ext uri="{9D8B030D-6E8A-4147-A177-3AD203B41FA5}">
+                      <a16:colId xmlns:a16="http://schemas.microsoft.com/office/drawing/2014/main" val="1925239620"/>
+                    </a:ext>
+                  </a:extLst>
+                </a:gridCol>
+              </a:tblGrid>
+              <a:tr h="183601">
+                <a:tc>
+                  <a:txBody>
+                    <a:bodyPr/>
+                    <a:lstStyle/>
+                    <a:p>
+                      <a:endParaRPr lang="zh-CN" altLang="en-US" sz="900"/>
+                    </a:p>
+                  </a:txBody>
+                  <a:tcPr marL="45900" marR="45900" marT="22950" marB="22950">
+                    <a:lnL w="12700" cap="flat" cmpd="sng" algn="ctr">
+                      <a:solidFill>
+                        <a:schemeClr val="tx1"/>
+                      </a:solidFill>
+                      <a:prstDash val="solid"/>
+                      <a:round/>
+                      <a:headEnd type="none" w="med" len="med"/>
+                      <a:tailEnd type="none" w="med" len="med"/>
+                    </a:lnL>
+                    <a:lnR w="12700" cap="flat" cmpd="sng" algn="ctr">
+                      <a:solidFill>
+                        <a:schemeClr val="tx1"/>
+                      </a:solidFill>
+                      <a:prstDash val="solid"/>
+                      <a:round/>
+                      <a:headEnd type="none" w="med" len="med"/>
+                      <a:tailEnd type="none" w="med" len="med"/>
+                    </a:lnR>
+                    <a:lnT w="12700" cap="flat" cmpd="sng" algn="ctr">
+                      <a:solidFill>
+                        <a:schemeClr val="tx1"/>
+                      </a:solidFill>
+                      <a:prstDash val="solid"/>
+                      <a:round/>
+                      <a:headEnd type="none" w="med" len="med"/>
+                      <a:tailEnd type="none" w="med" len="med"/>
+                    </a:lnT>
+                    <a:lnB w="12700" cap="flat" cmpd="sng" algn="ctr">
+                      <a:solidFill>
+                        <a:schemeClr val="tx1"/>
+                      </a:solidFill>
+                      <a:prstDash val="solid"/>
+                      <a:round/>
+                      <a:headEnd type="none" w="med" len="med"/>
+                      <a:tailEnd type="none" w="med" len="med"/>
+                    </a:lnB>
+                    <a:lnTlToBr w="12700" cmpd="sng">
+                      <a:noFill/>
+                      <a:prstDash val="solid"/>
+                    </a:lnTlToBr>
+                    <a:lnBlToTr w="12700" cmpd="sng">
+                      <a:noFill/>
+                      <a:prstDash val="solid"/>
+                    </a:lnBlToTr>
+                    <a:noFill/>
+                  </a:tcPr>
+                </a:tc>
+                <a:tc>
+                  <a:txBody>
+                    <a:bodyPr/>
+                    <a:lstStyle/>
+                    <a:p>
+                      <a:pPr marL="0" algn="l" defTabSz="914400" rtl="0" eaLnBrk="1" latinLnBrk="0" hangingPunct="1"/>
+                      <a:endParaRPr lang="zh-CN" altLang="en-US" sz="500" b="1" kern="1200" dirty="0">
+                        <a:solidFill>
+                          <a:schemeClr val="lt1"/>
+                        </a:solidFill>
+                        <a:latin typeface="+mn-lt"/>
+                        <a:ea typeface="+mn-ea"/>
+                        <a:cs typeface="+mn-cs"/>
+                      </a:endParaRPr>
+                    </a:p>
+                  </a:txBody>
+                  <a:tcPr marL="45900" marR="45900" marT="22950" marB="22950">
+                    <a:lnL w="12700" cap="flat" cmpd="sng" algn="ctr">
+                      <a:solidFill>
+                        <a:schemeClr val="tx1"/>
+                      </a:solidFill>
+                      <a:prstDash val="solid"/>
+                      <a:round/>
+                      <a:headEnd type="none" w="med" len="med"/>
+                      <a:tailEnd type="none" w="med" len="med"/>
+                    </a:lnL>
+                    <a:lnR w="12700" cap="flat" cmpd="sng" algn="ctr">
+                      <a:solidFill>
+                        <a:schemeClr val="tx1"/>
+                      </a:solidFill>
+                      <a:prstDash val="solid"/>
+                      <a:round/>
+                      <a:headEnd type="none" w="med" len="med"/>
+                      <a:tailEnd type="none" w="med" len="med"/>
+                    </a:lnR>
+                    <a:lnT w="12700" cap="flat" cmpd="sng" algn="ctr">
+                      <a:solidFill>
+                        <a:schemeClr val="tx1"/>
+                      </a:solidFill>
+                      <a:prstDash val="solid"/>
+                      <a:round/>
+                      <a:headEnd type="none" w="med" len="med"/>
+                      <a:tailEnd type="none" w="med" len="med"/>
+                    </a:lnT>
+                    <a:lnB w="12700" cap="flat" cmpd="sng" algn="ctr">
+                      <a:solidFill>
+                        <a:schemeClr val="tx1"/>
+                      </a:solidFill>
+                      <a:prstDash val="solid"/>
+                      <a:round/>
+                      <a:headEnd type="none" w="med" len="med"/>
+                      <a:tailEnd type="none" w="med" len="med"/>
+                    </a:lnB>
+                    <a:lnTlToBr w="12700" cmpd="sng">
+                      <a:noFill/>
+                      <a:prstDash val="solid"/>
+                    </a:lnTlToBr>
+                    <a:lnBlToTr w="12700" cmpd="sng">
+                      <a:noFill/>
+                      <a:prstDash val="solid"/>
+                    </a:lnBlToTr>
+                    <a:noFill/>
+                  </a:tcPr>
+                </a:tc>
+                <a:tc>
+                  <a:txBody>
+                    <a:bodyPr/>
+                    <a:lstStyle/>
+                    <a:p>
+                      <a:endParaRPr lang="zh-CN" altLang="en-US" sz="900" dirty="0"/>
+                    </a:p>
+                  </a:txBody>
+                  <a:tcPr marL="45900" marR="45900" marT="22950" marB="22950">
+                    <a:lnL w="12700" cap="flat" cmpd="sng" algn="ctr">
+                      <a:solidFill>
+                        <a:schemeClr val="tx1"/>
+                      </a:solidFill>
+                      <a:prstDash val="solid"/>
+                      <a:round/>
+                      <a:headEnd type="none" w="med" len="med"/>
+                      <a:tailEnd type="none" w="med" len="med"/>
+                    </a:lnL>
+                    <a:lnR w="12700" cap="flat" cmpd="sng" algn="ctr">
+                      <a:solidFill>
+                        <a:schemeClr val="tx1"/>
+                      </a:solidFill>
+                      <a:prstDash val="solid"/>
+                      <a:round/>
+                      <a:headEnd type="none" w="med" len="med"/>
+                      <a:tailEnd type="none" w="med" len="med"/>
+                    </a:lnR>
+                    <a:lnT w="12700" cap="flat" cmpd="sng" algn="ctr">
+                      <a:solidFill>
+                        <a:schemeClr val="tx1"/>
+                      </a:solidFill>
+                      <a:prstDash val="solid"/>
+                      <a:round/>
+                      <a:headEnd type="none" w="med" len="med"/>
+                      <a:tailEnd type="none" w="med" len="med"/>
+                    </a:lnT>
+                    <a:lnB w="12700" cap="flat" cmpd="sng" algn="ctr">
+                      <a:solidFill>
+                        <a:schemeClr val="tx1"/>
+                      </a:solidFill>
+                      <a:prstDash val="solid"/>
+                      <a:round/>
+                      <a:headEnd type="none" w="med" len="med"/>
+                      <a:tailEnd type="none" w="med" len="med"/>
+                    </a:lnB>
+                    <a:lnTlToBr w="12700" cmpd="sng">
+                      <a:noFill/>
+                      <a:prstDash val="solid"/>
+                    </a:lnTlToBr>
+                    <a:lnBlToTr w="12700" cmpd="sng">
+                      <a:noFill/>
+                      <a:prstDash val="solid"/>
+                    </a:lnBlToTr>
+                    <a:noFill/>
+                  </a:tcPr>
+                </a:tc>
+                <a:extLst>
+                  <a:ext uri="{0D108BD9-81ED-4DB2-BD59-A6C34878D82A}">
+                    <a16:rowId xmlns:a16="http://schemas.microsoft.com/office/drawing/2014/main" val="3909594222"/>
+                  </a:ext>
+                </a:extLst>
+              </a:tr>
+            </a:tbl>
+          </a:graphicData>
+        </a:graphic>
+      </p:graphicFrame>
+      <p:sp>
+        <p:nvSpPr>
+          <p:cNvPr id="41" name="文本框 40">
+            <a:extLst>
+              <a:ext uri="{FF2B5EF4-FFF2-40B4-BE49-F238E27FC236}">
+                <a16:creationId xmlns:a16="http://schemas.microsoft.com/office/drawing/2014/main" id="{FC71D77A-AA08-6CB2-1D92-FBAAD4DE3827}"/>
+              </a:ext>
+            </a:extLst>
+          </p:cNvPr>
+          <p:cNvSpPr txBox="1"/>
+          <p:nvPr/>
+        </p:nvSpPr>
+        <p:spPr>
+          <a:xfrm>
+            <a:off x="883750" y="3031973"/>
+            <a:ext cx="856325" cy="230832"/>
+          </a:xfrm>
+          <a:prstGeom prst="rect">
+            <a:avLst/>
+          </a:prstGeom>
+          <a:noFill/>
+        </p:spPr>
+        <p:txBody>
+          <a:bodyPr wrap="none" rtlCol="0">
+            <a:spAutoFit/>
+          </a:bodyPr>
+          <a:lstStyle/>
+          <a:p>
+            <a:r>
+              <a:rPr kumimoji="1" lang="en-US" altLang="zh-CN" sz="900" dirty="0"/>
+              <a:t>Zero padding</a:t>
+            </a:r>
           </a:p>
         </p:txBody>
       </p:sp>
